--- a/PPT/Doamne, numele-Ti inalt.pptx
+++ b/PPT/Doamne, numele-Ti inalt.pptx
@@ -289,7 +289,7 @@
           <a:p>
             <a:fld id="{7347D9A9-07FE-4B51-A509-3795061DA9A6}" type="datetimeFigureOut">
               <a:rPr lang="en-US" smtClean="0"/>
-              <a:t>11/9/2012</a:t>
+              <a:t>12/7/2012</a:t>
             </a:fld>
             <a:endParaRPr lang="en-US"/>
           </a:p>
@@ -459,7 +459,7 @@
           <a:p>
             <a:fld id="{7347D9A9-07FE-4B51-A509-3795061DA9A6}" type="datetimeFigureOut">
               <a:rPr lang="en-US" smtClean="0"/>
-              <a:t>11/9/2012</a:t>
+              <a:t>12/7/2012</a:t>
             </a:fld>
             <a:endParaRPr lang="en-US"/>
           </a:p>
@@ -639,7 +639,7 @@
           <a:p>
             <a:fld id="{7347D9A9-07FE-4B51-A509-3795061DA9A6}" type="datetimeFigureOut">
               <a:rPr lang="en-US" smtClean="0"/>
-              <a:t>11/9/2012</a:t>
+              <a:t>12/7/2012</a:t>
             </a:fld>
             <a:endParaRPr lang="en-US"/>
           </a:p>
@@ -809,7 +809,7 @@
           <a:p>
             <a:fld id="{7347D9A9-07FE-4B51-A509-3795061DA9A6}" type="datetimeFigureOut">
               <a:rPr lang="en-US" smtClean="0"/>
-              <a:t>11/9/2012</a:t>
+              <a:t>12/7/2012</a:t>
             </a:fld>
             <a:endParaRPr lang="en-US"/>
           </a:p>
@@ -1055,7 +1055,7 @@
           <a:p>
             <a:fld id="{7347D9A9-07FE-4B51-A509-3795061DA9A6}" type="datetimeFigureOut">
               <a:rPr lang="en-US" smtClean="0"/>
-              <a:t>11/9/2012</a:t>
+              <a:t>12/7/2012</a:t>
             </a:fld>
             <a:endParaRPr lang="en-US"/>
           </a:p>
@@ -1343,7 +1343,7 @@
           <a:p>
             <a:fld id="{7347D9A9-07FE-4B51-A509-3795061DA9A6}" type="datetimeFigureOut">
               <a:rPr lang="en-US" smtClean="0"/>
-              <a:t>11/9/2012</a:t>
+              <a:t>12/7/2012</a:t>
             </a:fld>
             <a:endParaRPr lang="en-US"/>
           </a:p>
@@ -1765,7 +1765,7 @@
           <a:p>
             <a:fld id="{7347D9A9-07FE-4B51-A509-3795061DA9A6}" type="datetimeFigureOut">
               <a:rPr lang="en-US" smtClean="0"/>
-              <a:t>11/9/2012</a:t>
+              <a:t>12/7/2012</a:t>
             </a:fld>
             <a:endParaRPr lang="en-US"/>
           </a:p>
@@ -1883,7 +1883,7 @@
           <a:p>
             <a:fld id="{7347D9A9-07FE-4B51-A509-3795061DA9A6}" type="datetimeFigureOut">
               <a:rPr lang="en-US" smtClean="0"/>
-              <a:t>11/9/2012</a:t>
+              <a:t>12/7/2012</a:t>
             </a:fld>
             <a:endParaRPr lang="en-US"/>
           </a:p>
@@ -1978,7 +1978,7 @@
           <a:p>
             <a:fld id="{7347D9A9-07FE-4B51-A509-3795061DA9A6}" type="datetimeFigureOut">
               <a:rPr lang="en-US" smtClean="0"/>
-              <a:t>11/9/2012</a:t>
+              <a:t>12/7/2012</a:t>
             </a:fld>
             <a:endParaRPr lang="en-US"/>
           </a:p>
@@ -2255,7 +2255,7 @@
           <a:p>
             <a:fld id="{7347D9A9-07FE-4B51-A509-3795061DA9A6}" type="datetimeFigureOut">
               <a:rPr lang="en-US" smtClean="0"/>
-              <a:t>11/9/2012</a:t>
+              <a:t>12/7/2012</a:t>
             </a:fld>
             <a:endParaRPr lang="en-US"/>
           </a:p>
@@ -2508,7 +2508,7 @@
           <a:p>
             <a:fld id="{7347D9A9-07FE-4B51-A509-3795061DA9A6}" type="datetimeFigureOut">
               <a:rPr lang="en-US" smtClean="0"/>
-              <a:t>11/9/2012</a:t>
+              <a:t>12/7/2012</a:t>
             </a:fld>
             <a:endParaRPr lang="en-US"/>
           </a:p>
@@ -2721,7 +2721,7 @@
           <a:p>
             <a:fld id="{7347D9A9-07FE-4B51-A509-3795061DA9A6}" type="datetimeFigureOut">
               <a:rPr lang="en-US" smtClean="0"/>
-              <a:t>11/9/2012</a:t>
+              <a:t>12/7/2012</a:t>
             </a:fld>
             <a:endParaRPr lang="en-US"/>
           </a:p>
@@ -3221,52 +3221,52 @@
           <a:lstStyle/>
           <a:p>
             <a:r>
-              <a:rPr lang="ro-RO" dirty="0" smtClean="0"/>
+              <a:rPr lang="ro-RO" b="1" dirty="0" smtClean="0"/>
               <a:t>Tu ai venit pe pământ</a:t>
             </a:r>
             <a:br>
-              <a:rPr lang="ro-RO" dirty="0" smtClean="0"/>
+              <a:rPr lang="ro-RO" b="1" dirty="0" smtClean="0"/>
             </a:br>
             <a:r>
-              <a:rPr lang="ro-RO" dirty="0" smtClean="0"/>
+              <a:rPr lang="ro-RO" b="1" dirty="0" smtClean="0"/>
               <a:t>Să ne salvezi</a:t>
             </a:r>
             <a:br>
-              <a:rPr lang="ro-RO" dirty="0" smtClean="0"/>
+              <a:rPr lang="ro-RO" b="1" dirty="0" smtClean="0"/>
             </a:br>
             <a:r>
-              <a:rPr lang="ro-RO" dirty="0" smtClean="0"/>
+              <a:rPr lang="ro-RO" b="1" dirty="0" smtClean="0"/>
               <a:t>Sus pe cruce Te-ai jertfit,</a:t>
             </a:r>
             <a:br>
-              <a:rPr lang="ro-RO" dirty="0" smtClean="0"/>
+              <a:rPr lang="ro-RO" b="1" dirty="0" smtClean="0"/>
             </a:br>
             <a:r>
-              <a:rPr lang="ro-RO" dirty="0" smtClean="0"/>
+              <a:rPr lang="ro-RO" b="1" dirty="0" smtClean="0"/>
               <a:t>Iertaţi să fim,</a:t>
             </a:r>
             <a:br>
-              <a:rPr lang="ro-RO" dirty="0" smtClean="0"/>
+              <a:rPr lang="ro-RO" b="1" dirty="0" smtClean="0"/>
             </a:br>
             <a:r>
-              <a:rPr lang="ro-RO" dirty="0" smtClean="0"/>
+              <a:rPr lang="ro-RO" b="1" dirty="0" smtClean="0"/>
               <a:t>De pe cruce în mormânt,</a:t>
             </a:r>
             <a:br>
-              <a:rPr lang="ro-RO" dirty="0" smtClean="0"/>
+              <a:rPr lang="ro-RO" b="1" dirty="0" smtClean="0"/>
             </a:br>
             <a:r>
-              <a:rPr lang="ro-RO" dirty="0" smtClean="0"/>
+              <a:rPr lang="ro-RO" b="1" dirty="0" smtClean="0"/>
               <a:t>Din mormânt sus la cer,</a:t>
             </a:r>
             <a:br>
-              <a:rPr lang="ro-RO" dirty="0" smtClean="0"/>
+              <a:rPr lang="ro-RO" b="1" dirty="0" smtClean="0"/>
             </a:br>
             <a:r>
-              <a:rPr lang="ro-RO" dirty="0" smtClean="0"/>
+              <a:rPr lang="ro-RO" b="1" dirty="0" smtClean="0"/>
               <a:t>Să fii înălţat mereu</a:t>
             </a:r>
-            <a:endParaRPr lang="en-US" dirty="0"/>
+            <a:endParaRPr lang="en-US" b="1" dirty="0"/>
           </a:p>
         </p:txBody>
       </p:sp>
